--- a/Nagy_Zalan_TDK_pre.pptx
+++ b/Nagy_Zalan_TDK_pre.pptx
@@ -3456,14 +3456,17 @@
             </a:r>
           </a:p>
           <a:p>
-            <a:endParaRPr lang="hu-HU" sz="1200" kern="1200" dirty="0">
-              <a:solidFill>
-                <a:schemeClr val="tx1"/>
-              </a:solidFill>
-              <a:latin typeface="+mn-lt"/>
-              <a:ea typeface="+mn-ea"/>
-              <a:cs typeface="+mn-cs"/>
-            </a:endParaRPr>
+            <a:r>
+              <a:rPr lang="hu-HU" sz="1200" kern="1200" dirty="0">
+                <a:solidFill>
+                  <a:schemeClr val="tx1"/>
+                </a:solidFill>
+                <a:latin typeface="+mn-lt"/>
+                <a:ea typeface="+mn-ea"/>
+                <a:cs typeface="+mn-cs"/>
+              </a:rPr>
+              <a:t>KATT</a:t>
+            </a:r>
           </a:p>
           <a:p>
             <a:r>
@@ -7792,8 +7795,8 @@
         </p:blipFill>
         <p:spPr bwMode="auto">
           <a:xfrm>
-            <a:off x="5981191" y="2740859"/>
-            <a:ext cx="3065714" cy="3354932"/>
+            <a:off x="669852" y="3682318"/>
+            <a:ext cx="2711838" cy="2967671"/>
           </a:xfrm>
           <a:prstGeom prst="rect">
             <a:avLst/>
@@ -7810,61 +7813,53 @@
           </a:extLst>
         </p:spPr>
       </p:pic>
-      <p:sp>
-        <p:nvSpPr>
-          <p:cNvPr id="6" name="Szövegdoboz 5">
+      <p:pic>
+        <p:nvPicPr>
+          <p:cNvPr id="1028" name="Picture 4">
             <a:extLst>
               <a:ext uri="{FF2B5EF4-FFF2-40B4-BE49-F238E27FC236}">
-                <a16:creationId xmlns:a16="http://schemas.microsoft.com/office/drawing/2014/main" id="{0C51A0DB-A738-4462-03D7-2308A36A7BE5}"/>
+                <a16:creationId xmlns:a16="http://schemas.microsoft.com/office/drawing/2014/main" id="{D918D24F-3CCC-4AB6-292E-4354ACEADF85}"/>
               </a:ext>
             </a:extLst>
           </p:cNvPr>
-          <p:cNvSpPr txBox="1"/>
+          <p:cNvPicPr>
+            <a:picLocks noChangeAspect="1" noChangeArrowheads="1"/>
+          </p:cNvPicPr>
           <p:nvPr/>
-        </p:nvSpPr>
-        <p:spPr>
+        </p:nvPicPr>
+        <p:blipFill>
+          <a:blip r:embed="rId4" cstate="print">
+            <a:extLst>
+              <a:ext uri="{28A0092B-C50C-407E-A947-70E740481C1C}">
+                <a14:useLocalDpi xmlns:a14="http://schemas.microsoft.com/office/drawing/2010/main" val="0"/>
+              </a:ext>
+            </a:extLst>
+          </a:blip>
+          <a:srcRect/>
+          <a:stretch>
+            <a:fillRect/>
+          </a:stretch>
+        </p:blipFill>
+        <p:spPr bwMode="auto">
           <a:xfrm>
-            <a:off x="561552" y="4481825"/>
-            <a:ext cx="4862286" cy="1323439"/>
+            <a:off x="4359472" y="2869733"/>
+            <a:ext cx="4858298" cy="3536841"/>
           </a:xfrm>
           <a:prstGeom prst="rect">
             <a:avLst/>
           </a:prstGeom>
           <a:noFill/>
+          <a:extLst>
+            <a:ext uri="{909E8E84-426E-40DD-AFC4-6F175D3DCCD1}">
+              <a14:hiddenFill xmlns:a14="http://schemas.microsoft.com/office/drawing/2010/main">
+                <a:solidFill>
+                  <a:srgbClr val="FFFFFF"/>
+                </a:solidFill>
+              </a14:hiddenFill>
+            </a:ext>
+          </a:extLst>
         </p:spPr>
-        <p:txBody>
-          <a:bodyPr wrap="square" rtlCol="0">
-            <a:spAutoFit/>
-          </a:bodyPr>
-          <a:lstStyle/>
-          <a:p>
-            <a:r>
-              <a:rPr lang="hu-HU" sz="4000" dirty="0">
-                <a:solidFill>
-                  <a:srgbClr val="FF0000"/>
-                </a:solidFill>
-              </a:rPr>
-              <a:t>TODO </a:t>
-            </a:r>
-            <a:r>
-              <a:rPr lang="hu-HU" sz="4000" dirty="0" err="1">
-                <a:solidFill>
-                  <a:srgbClr val="FF0000"/>
-                </a:solidFill>
-              </a:rPr>
-              <a:t>battlefield</a:t>
-            </a:r>
-            <a:r>
-              <a:rPr lang="hu-HU" sz="4000" dirty="0">
-                <a:solidFill>
-                  <a:srgbClr val="FF0000"/>
-                </a:solidFill>
-              </a:rPr>
-              <a:t> képek</a:t>
-            </a:r>
-          </a:p>
-        </p:txBody>
-      </p:sp>
+      </p:pic>
     </p:spTree>
     <p:extLst>
       <p:ext uri="{BB962C8B-B14F-4D97-AF65-F5344CB8AC3E}">

--- a/Nagy_Zalan_TDK_pre.pptx
+++ b/Nagy_Zalan_TDK_pre.pptx
@@ -893,7 +893,7 @@
                 <a:ea typeface="+mn-ea"/>
                 <a:cs typeface="+mn-cs"/>
               </a:rPr>
-              <a:t>A támadó 20 egységnyi erőforrást kap, a védő pedig 40-et. Ez a különbség a gyakorlatban is megállja a helyét, hiszen a védekezés általában sokkal erőforrás-igényesebb. Nem extrém helyzetet modellezek – például nem egy titkosszolgálatot egy kis cég ellen –, hanem egy tipikus vállalati környezetet.</a:t>
+              <a:t>A támadó 20 egységnyi erőforrást kap, a védő pedig 40-et. Ez a különbség a gyakorlatban is megállja a helyét, hiszen a védekezés általában sokkal erőforrás-igényesebb. Nem extrém helyzetet modellezek (például nem egy titkosszolgálatot egy kis cég ellen), hanem egy tipikus vállalati környezetet.</a:t>
             </a:r>
           </a:p>
           <a:p>
@@ -988,16 +988,6 @@
               </a:rPr>
               <a:t>Összességében ezek a beállítások biztosítják, hogy a modell egyszerre legyen valósághű, ismételhető és összehasonlítható a különböző hónapok között.</a:t>
             </a:r>
-          </a:p>
-          <a:p>
-            <a:endParaRPr lang="hu-HU" sz="1200" kern="1200" dirty="0">
-              <a:solidFill>
-                <a:schemeClr val="tx1"/>
-              </a:solidFill>
-              <a:latin typeface="+mn-lt"/>
-              <a:ea typeface="+mn-ea"/>
-              <a:cs typeface="+mn-cs"/>
-            </a:endParaRPr>
           </a:p>
         </p:txBody>
       </p:sp>
@@ -7842,7 +7832,7 @@
         </p:blipFill>
         <p:spPr bwMode="auto">
           <a:xfrm>
-            <a:off x="4359472" y="2869733"/>
+            <a:off x="4118589" y="2869733"/>
             <a:ext cx="4858298" cy="3536841"/>
           </a:xfrm>
           <a:prstGeom prst="rect">
@@ -13576,7 +13566,7 @@
           <p:nvPr>
             <p:extLst>
               <p:ext uri="{D42A27DB-BD31-4B8C-83A1-F6EECF244321}">
-                <p14:modId xmlns:p14="http://schemas.microsoft.com/office/powerpoint/2010/main" val="1351205563"/>
+                <p14:modId xmlns:p14="http://schemas.microsoft.com/office/powerpoint/2010/main" val="3117834656"/>
               </p:ext>
             </p:extLst>
           </p:nvPr>
@@ -13837,6 +13827,45 @@
                         <a:buNone/>
                       </a:pPr>
                       <a:r>
+                        <a:rPr lang="en-US" sz="2000" noProof="0" dirty="0"/>
+                        <a:t>All-in (Top-1)</a:t>
+                      </a:r>
+                    </a:p>
+                  </a:txBody>
+                  <a:tcPr marL="65019" marR="65019" marT="32509" marB="32509" anchor="ctr"/>
+                </a:tc>
+                <a:tc>
+                  <a:txBody>
+                    <a:bodyPr/>
+                    <a:lstStyle/>
+                    <a:p>
+                      <a:pPr>
+                        <a:buNone/>
+                      </a:pPr>
+                      <a:r>
+                        <a:rPr lang="en-US" sz="2000" noProof="0" dirty="0"/>
+                        <a:t>All-in (Top-1)</a:t>
+                      </a:r>
+                    </a:p>
+                  </a:txBody>
+                  <a:tcPr marL="65019" marR="65019" marT="32509" marB="32509" anchor="ctr"/>
+                </a:tc>
+                <a:extLst>
+                  <a:ext uri="{0D108BD9-81ED-4DB2-BD59-A6C34878D82A}">
+                    <a16:rowId xmlns:a16="http://schemas.microsoft.com/office/drawing/2014/main" val="344200648"/>
+                  </a:ext>
+                </a:extLst>
+              </a:tr>
+              <a:tr h="560586">
+                <a:tc>
+                  <a:txBody>
+                    <a:bodyPr/>
+                    <a:lstStyle/>
+                    <a:p>
+                      <a:pPr>
+                        <a:buNone/>
+                      </a:pPr>
+                      <a:r>
                         <a:rPr lang="hu-HU" sz="2000" dirty="0"/>
                         <a:t>Random </a:t>
                       </a:r>
@@ -13872,46 +13901,7 @@
                 </a:tc>
                 <a:extLst>
                   <a:ext uri="{0D108BD9-81ED-4DB2-BD59-A6C34878D82A}">
-                    <a16:rowId xmlns:a16="http://schemas.microsoft.com/office/drawing/2014/main" val="185496046"/>
-                  </a:ext>
-                </a:extLst>
-              </a:tr>
-              <a:tr h="560586">
-                <a:tc>
-                  <a:txBody>
-                    <a:bodyPr/>
-                    <a:lstStyle/>
-                    <a:p>
-                      <a:pPr>
-                        <a:buNone/>
-                      </a:pPr>
-                      <a:r>
-                        <a:rPr lang="en-US" sz="2000" noProof="0" dirty="0"/>
-                        <a:t>All-in (Top-1)</a:t>
-                      </a:r>
-                    </a:p>
-                  </a:txBody>
-                  <a:tcPr marL="65019" marR="65019" marT="32509" marB="32509" anchor="ctr"/>
-                </a:tc>
-                <a:tc>
-                  <a:txBody>
-                    <a:bodyPr/>
-                    <a:lstStyle/>
-                    <a:p>
-                      <a:pPr>
-                        <a:buNone/>
-                      </a:pPr>
-                      <a:r>
-                        <a:rPr lang="en-US" sz="2000" noProof="0" dirty="0"/>
-                        <a:t>All-in (Top-1)</a:t>
-                      </a:r>
-                    </a:p>
-                  </a:txBody>
-                  <a:tcPr marL="65019" marR="65019" marT="32509" marB="32509" anchor="ctr"/>
-                </a:tc>
-                <a:extLst>
-                  <a:ext uri="{0D108BD9-81ED-4DB2-BD59-A6C34878D82A}">
-                    <a16:rowId xmlns:a16="http://schemas.microsoft.com/office/drawing/2014/main" val="344200648"/>
+                    <a16:rowId xmlns:a16="http://schemas.microsoft.com/office/drawing/2014/main" val="508209178"/>
                   </a:ext>
                 </a:extLst>
               </a:tr>

--- a/Nagy_Zalan_TDK_pre.pptx
+++ b/Nagy_Zalan_TDK_pre.pptx
@@ -244,7 +244,7 @@
           <a:p>
             <a:fld id="{6B4E56A7-0A01-44F2-86E6-E8ECE419E28C}" type="datetimeFigureOut">
               <a:rPr lang="hu-HU" smtClean="0"/>
-              <a:t>2025. 11. 17.</a:t>
+              <a:t>2025. 11. 18.</a:t>
             </a:fld>
             <a:endParaRPr lang="hu-HU"/>
           </a:p>
@@ -409,7 +409,7 @@
           <a:p>
             <a:fld id="{706CE47C-6804-445B-A5D2-FDAA84DC08D1}" type="datetimeFigureOut">
               <a:rPr lang="hu-HU" smtClean="0"/>
-              <a:t>2025. 11. 17.</a:t>
+              <a:t>2025. 11. 18.</a:t>
             </a:fld>
             <a:endParaRPr lang="hu-HU"/>
           </a:p>
@@ -879,7 +879,7 @@
                 <a:ea typeface="+mn-ea"/>
                 <a:cs typeface="+mn-cs"/>
               </a:rPr>
-              <a:t>A játék 10 csatamezőn zajlik, ezek az adott nap leginkább érintett szoftvergyártói a valós CVE-statisztikák alapján.</a:t>
+              <a:t>A játék 10 csatamezőn zajlik, ezek az adott nap leginkább érintett szoftvergyártói a CVE-statisztikák alapján.</a:t>
             </a:r>
           </a:p>
           <a:p>
@@ -893,7 +893,21 @@
                 <a:ea typeface="+mn-ea"/>
                 <a:cs typeface="+mn-cs"/>
               </a:rPr>
-              <a:t>A támadó 20 egységnyi erőforrást kap, a védő pedig 40-et. Ez a különbség a gyakorlatban is megállja a helyét, hiszen a védekezés általában sokkal erőforrás-igényesebb. Nem extrém helyzetet modellezek (például nem egy titkosszolgálatot egy kis cég ellen), hanem egy tipikus vállalati környezetet.</a:t>
+              <a:t>A támadó 20 egységnyi erőforrást kap, a védő pedig 40-et. Ez a különbség a gyakorlatban is megállja a helyét, hiszen a védekezés általában több erőforrást igényel. </a:t>
+            </a:r>
+          </a:p>
+          <a:p>
+            <a:pPr marL="0" algn="l" defTabSz="914400" rtl="0" eaLnBrk="1" latinLnBrk="0" hangingPunct="1"/>
+            <a:r>
+              <a:rPr lang="hu-HU" sz="1200" kern="1200" dirty="0">
+                <a:solidFill>
+                  <a:schemeClr val="tx1"/>
+                </a:solidFill>
+                <a:latin typeface="+mn-lt"/>
+                <a:ea typeface="+mn-ea"/>
+                <a:cs typeface="+mn-cs"/>
+              </a:rPr>
+              <a:t>Egy tipikus vállalati környezetet modellezek, nem pedig extrém helyzetet, ahol például egy titkosszolgálat támad egy kis cég ellen.</a:t>
             </a:r>
           </a:p>
           <a:p>
@@ -950,7 +964,7 @@
                 <a:ea typeface="+mn-ea"/>
                 <a:cs typeface="+mn-cs"/>
               </a:rPr>
-              <a:t>Három időszakot vizsgálok: januárt, májust és augusztust. Ezeket azért választottam, mert a CVE-</a:t>
+              <a:t>Három időszakot vizsgálok: 2025 januárt, májust és augusztust. Azért választottam ezeket, mert a CVE-</a:t>
             </a:r>
             <a:r>
               <a:rPr lang="hu-HU" sz="1200" kern="1200" dirty="0" err="1">
@@ -986,7 +1000,7 @@
                 <a:ea typeface="+mn-ea"/>
                 <a:cs typeface="+mn-cs"/>
               </a:rPr>
-              <a:t>Összességében ezek a beállítások biztosítják, hogy a modell egyszerre legyen valósághű, ismételhető és összehasonlítható a különböző hónapok között.</a:t>
+              <a:t>Összességében ezek a beállítások biztosítják, hogy a modell egyszerre legyen valósághű, ismételhető és összehasonlítható a hónapok között.</a:t>
             </a:r>
           </a:p>
         </p:txBody>
@@ -1098,114 +1112,29 @@
           </a:p>
           <a:p>
             <a:r>
-              <a:rPr lang="hu-HU" sz="1200" kern="1200" dirty="0">
-                <a:solidFill>
-                  <a:schemeClr val="tx1"/>
-                </a:solidFill>
-                <a:latin typeface="+mn-lt"/>
-                <a:ea typeface="+mn-ea"/>
-                <a:cs typeface="+mn-cs"/>
-              </a:rPr>
-              <a:t>Ezekből képeztem a </a:t>
-            </a:r>
-            <a:r>
-              <a:rPr lang="el-GR" sz="1200" kern="1200" dirty="0">
-                <a:solidFill>
-                  <a:schemeClr val="tx1"/>
-                </a:solidFill>
-                <a:latin typeface="+mn-lt"/>
-                <a:ea typeface="+mn-ea"/>
-                <a:cs typeface="+mn-cs"/>
-              </a:rPr>
-              <a:t>ρ </a:t>
-            </a:r>
-            <a:r>
-              <a:rPr lang="hu-HU" sz="1200" kern="1200" dirty="0">
-                <a:solidFill>
-                  <a:schemeClr val="tx1"/>
-                </a:solidFill>
-                <a:latin typeface="+mn-lt"/>
-                <a:ea typeface="+mn-ea"/>
-                <a:cs typeface="+mn-cs"/>
-              </a:rPr>
-              <a:t>arányt, ezt úgy kell értelmezni, hogy ha </a:t>
-            </a:r>
-            <a:r>
-              <a:rPr lang="el-GR" sz="1200" kern="1200" dirty="0">
-                <a:solidFill>
-                  <a:schemeClr val="tx1"/>
-                </a:solidFill>
-                <a:latin typeface="+mn-lt"/>
-                <a:ea typeface="+mn-ea"/>
-                <a:cs typeface="+mn-cs"/>
-              </a:rPr>
-              <a:t>ρ </a:t>
-            </a:r>
-            <a:r>
-              <a:rPr lang="hu-HU" sz="1200" kern="1200" dirty="0">
-                <a:solidFill>
-                  <a:schemeClr val="tx1"/>
-                </a:solidFill>
-                <a:latin typeface="+mn-lt"/>
-                <a:ea typeface="+mn-ea"/>
-                <a:cs typeface="+mn-cs"/>
-              </a:rPr>
-              <a:t>kisebb mint 1, akkor a védő átlagosan hatékonyabb volt; ha nagyobb mint 1, akkor a támadó dominált.</a:t>
-            </a:r>
-          </a:p>
-          <a:p>
-            <a:r>
-              <a:rPr lang="hu-HU" sz="1200" kern="1200" dirty="0">
-                <a:solidFill>
-                  <a:schemeClr val="tx1"/>
-                </a:solidFill>
-                <a:latin typeface="+mn-lt"/>
-                <a:ea typeface="+mn-ea"/>
-                <a:cs typeface="+mn-cs"/>
-              </a:rPr>
-              <a:t>A következő kulcsmutató az entrópia (H), ami a stratégiai változatosságot jelzi.</a:t>
+              <a:rPr lang="hu-HU" dirty="0"/>
+              <a:t>Ezekből számoltam egy egyszerű arányt, a </a:t>
+            </a:r>
+            <a:r>
+              <a:rPr lang="el-GR" dirty="0"/>
+              <a:t>ρ-</a:t>
+            </a:r>
+            <a:r>
+              <a:rPr lang="hu-HU" dirty="0"/>
+              <a:t>t: ha ez 1 alatt van, akkor a védő teljesített jobban, ha 1 fölött, akkor a támadó.</a:t>
+            </a:r>
+          </a:p>
+          <a:p>
+            <a:r>
+              <a:rPr lang="hu-HU" dirty="0"/>
+              <a:t>A másik fontos mutató az entrópia, ami azt mutatja, mennyire változatos a stratégia.</a:t>
             </a:r>
             <a:br>
-              <a:rPr lang="hu-HU" sz="1200" kern="1200" dirty="0">
-                <a:solidFill>
-                  <a:schemeClr val="tx1"/>
-                </a:solidFill>
-                <a:latin typeface="+mn-lt"/>
-                <a:ea typeface="+mn-ea"/>
-                <a:cs typeface="+mn-cs"/>
-              </a:rPr>
+              <a:rPr lang="hu-HU" dirty="0"/>
             </a:br>
             <a:r>
-              <a:rPr lang="hu-HU" sz="1200" kern="1200" dirty="0">
-                <a:solidFill>
-                  <a:schemeClr val="tx1"/>
-                </a:solidFill>
-                <a:latin typeface="+mn-lt"/>
-                <a:ea typeface="+mn-ea"/>
-                <a:cs typeface="+mn-cs"/>
-              </a:rPr>
-              <a:t>Magas entrópia esetén az ügynök sokféle stratégiát próbál ki, tehát folyamatosan tanul és alkalmazkodik.</a:t>
-            </a:r>
-            <a:br>
-              <a:rPr lang="hu-HU" sz="1200" kern="1200" dirty="0">
-                <a:solidFill>
-                  <a:schemeClr val="tx1"/>
-                </a:solidFill>
-                <a:latin typeface="+mn-lt"/>
-                <a:ea typeface="+mn-ea"/>
-                <a:cs typeface="+mn-cs"/>
-              </a:rPr>
-            </a:br>
-            <a:r>
-              <a:rPr lang="hu-HU" sz="1200" kern="1200" dirty="0">
-                <a:solidFill>
-                  <a:schemeClr val="tx1"/>
-                </a:solidFill>
-                <a:latin typeface="+mn-lt"/>
-                <a:ea typeface="+mn-ea"/>
-                <a:cs typeface="+mn-cs"/>
-              </a:rPr>
-              <a:t>Alacsony entrópia pedig azt mutatja, hogy a viselkedés stabilizálódott, vagyis a tanulás konvergált egy megszokott mintához.</a:t>
+              <a:rPr lang="hu-HU" dirty="0"/>
+              <a:t>Magas entrópia azt jelzi, hogy az ügynök sokféle megoldást kipróbál és aktívan tanul; alacsony entrópia pedig azt, hogy elkezd kialakulni egy megszokott, stabil viselkedés.</a:t>
             </a:r>
           </a:p>
           <a:p>
@@ -1231,7 +1160,7 @@
                 <a:ea typeface="+mn-ea"/>
                 <a:cs typeface="+mn-cs"/>
               </a:rPr>
-              <a:t>a top-3 lefedettséget, ami azt jelzi, hogy a tanulás során az ügynök mennyire fókuszál a három legértékesebb csatamezőre</a:t>
+              <a:t>Például a top-3 lefedettséget, ami azt jelzi, hogy a tanulás során az ügynök mennyire fókuszál a három legértékesebb csatamezőre</a:t>
             </a:r>
           </a:p>
           <a:p>
@@ -1246,6 +1175,9 @@
               </a:rPr>
               <a:t>Ezek átfogó képet adnak arról, mennyire stabil, változatos és eredményes a két ügynök stratégiája a különböző információs környezetekben.</a:t>
             </a:r>
+          </a:p>
+          <a:p>
+            <a:endParaRPr lang="hu-HU" dirty="0"/>
           </a:p>
         </p:txBody>
       </p:sp>
@@ -1331,7 +1263,7 @@
           <a:p>
             <a:r>
               <a:rPr lang="hu-HU" dirty="0"/>
-              <a:t>Az első fő eredmény az volt, hogy a védő minden szcenárióban összességében jobb eredményt ért el, mint a támadó.</a:t>
+              <a:t>Az első fő eredményem az, hogy a védő minden szcenárióban összességében jobb eredményt ért el, mint a támadó.</a:t>
             </a:r>
             <a:br>
               <a:rPr lang="hu-HU" dirty="0"/>
@@ -1351,7 +1283,7 @@
             </a:br>
             <a:r>
               <a:rPr lang="hu-HU" dirty="0"/>
-              <a:t>A támadói információelőnyt modellező R2-ben valóban megfigyelhető volt egy rövid távú javulás, de ez instabilnak bizonyult, és a tanulás előrehaladtával visszaesett.</a:t>
+              <a:t>A támadói információelőnyt modellező R2-ben valóban megfigyelhető volt egy rövid távú javulás, de ez instabilnak bizonyult és a tanulás előrehaladtával visszaesett.</a:t>
             </a:r>
           </a:p>
           <a:p>
@@ -1892,14 +1824,14 @@
           <a:p>
             <a:r>
               <a:rPr lang="hu-HU" dirty="0"/>
-              <a:t>A kísérletek azt mutatják, hogy az információ önmagában nem ad valódi előnyt, csak akkor, ha a stratégia és a tanulási folyamat ténylegesen képes kiaknázni.</a:t>
+              <a:t>A kísérletek azt mutatják, hogy az információ önmagában még nem jelent előnyt – csak akkor, ha a stratégia és a tanulási folyamat ténylegesen képes hasznosítani.</a:t>
             </a:r>
             <a:br>
               <a:rPr lang="hu-HU" dirty="0"/>
             </a:br>
             <a:r>
               <a:rPr lang="hu-HU" dirty="0"/>
-              <a:t>A védői hírszerzés tartós és stabil előnyt adott, míg a támadói információ csak átmenetileg működött, mert a védő adaptív tanulása idővel kiegyenlítette.</a:t>
+              <a:t>A védői hírszerzés tartós és stabil előnyt adott, míg a támadói információelőny csak átmenetileg működött, mert a védő adaptív tanulása idővel kiegyenlítette.</a:t>
             </a:r>
             <a:br>
               <a:rPr lang="hu-HU" dirty="0"/>
@@ -2163,6 +2095,52 @@
             </a:pPr>
             <a:r>
               <a:rPr lang="hu-HU" dirty="0"/>
+              <a:t>És akkor áttérnék a bírálói kérdésekre.</a:t>
+            </a:r>
+          </a:p>
+          <a:p>
+            <a:pPr marL="0" marR="0" lvl="0" indent="0" algn="l" defTabSz="914400" rtl="0" eaLnBrk="1" fontAlgn="auto" latinLnBrk="0" hangingPunct="1">
+              <a:lnSpc>
+                <a:spcPct val="100000"/>
+              </a:lnSpc>
+              <a:spcBef>
+                <a:spcPts val="0"/>
+              </a:spcBef>
+              <a:spcAft>
+                <a:spcPts val="0"/>
+              </a:spcAft>
+              <a:buClrTx/>
+              <a:buSzTx/>
+              <a:buFontTx/>
+              <a:buNone/>
+              <a:tabLst/>
+              <a:defRPr/>
+            </a:pPr>
+            <a:r>
+              <a:rPr lang="hu-HU" dirty="0"/>
+              <a:t>KÉRDÉS</a:t>
+            </a:r>
+          </a:p>
+          <a:p>
+            <a:pPr marL="0" marR="0" lvl="0" indent="0" algn="l" defTabSz="914400" rtl="0" eaLnBrk="1" fontAlgn="auto" latinLnBrk="0" hangingPunct="1">
+              <a:lnSpc>
+                <a:spcPct val="100000"/>
+              </a:lnSpc>
+              <a:spcBef>
+                <a:spcPts val="0"/>
+              </a:spcBef>
+              <a:spcAft>
+                <a:spcPts val="0"/>
+              </a:spcAft>
+              <a:buClrTx/>
+              <a:buSzTx/>
+              <a:buFontTx/>
+              <a:buNone/>
+              <a:tabLst/>
+              <a:defRPr/>
+            </a:pPr>
+            <a:r>
+              <a:rPr lang="hu-HU" dirty="0"/>
               <a:t>A dezinformációt úgy lehetne beépíteni a modellbe, hogy az ügynökök nem a valós kockázati értékeket látják, hanem torzított, zajos vagy késleltetett adatot.</a:t>
             </a:r>
             <a:br>
@@ -2184,7 +2162,7 @@
             </a:br>
             <a:r>
               <a:rPr lang="hu-HU" dirty="0"/>
-              <a:t>Ezek mind azt eredményeznék, hogy romlik a tanulás minősége, és sokkal lassabban, kevésbé hatékonyan alkalmazkodnak.</a:t>
+              <a:t>Ezek mind azt eredményeznék, hogy romlik a tanulás minősége, és sokkal lassabban, kevésbé hatékonyan alkalmazkodnak az ügynökök.</a:t>
             </a:r>
           </a:p>
         </p:txBody>
@@ -2269,6 +2247,29 @@
           <a:bodyPr/>
           <a:lstStyle/>
           <a:p>
+            <a:pPr marL="0" marR="0" lvl="0" indent="0" algn="l" defTabSz="914400" rtl="0" eaLnBrk="1" fontAlgn="auto" latinLnBrk="0" hangingPunct="1">
+              <a:lnSpc>
+                <a:spcPct val="100000"/>
+              </a:lnSpc>
+              <a:spcBef>
+                <a:spcPts val="0"/>
+              </a:spcBef>
+              <a:spcAft>
+                <a:spcPts val="0"/>
+              </a:spcAft>
+              <a:buClrTx/>
+              <a:buSzTx/>
+              <a:buFontTx/>
+              <a:buNone/>
+              <a:tabLst/>
+              <a:defRPr/>
+            </a:pPr>
+            <a:r>
+              <a:rPr lang="hu-HU" dirty="0"/>
+              <a:t>KÉRDÉS</a:t>
+            </a:r>
+          </a:p>
+          <a:p>
             <a:r>
               <a:rPr lang="hu-HU" dirty="0"/>
               <a:t>Ha pontosan tudjuk, hogy melyik szoftver milyen gyártói könyvtárakat használ, akkor a gyártók már nem elszigetelt csatamezők lennének, hanem egy függőségi gráf csomópontjai.</a:t>
@@ -2385,6 +2386,29 @@
           <a:bodyPr/>
           <a:lstStyle/>
           <a:p>
+            <a:pPr marL="0" marR="0" lvl="0" indent="0" algn="l" defTabSz="914400" rtl="0" eaLnBrk="1" fontAlgn="auto" latinLnBrk="0" hangingPunct="1">
+              <a:lnSpc>
+                <a:spcPct val="100000"/>
+              </a:lnSpc>
+              <a:spcBef>
+                <a:spcPts val="0"/>
+              </a:spcBef>
+              <a:spcAft>
+                <a:spcPts val="0"/>
+              </a:spcAft>
+              <a:buClrTx/>
+              <a:buSzTx/>
+              <a:buFontTx/>
+              <a:buNone/>
+              <a:tabLst/>
+              <a:defRPr/>
+            </a:pPr>
+            <a:r>
+              <a:rPr lang="hu-HU" dirty="0"/>
+              <a:t>KÉRDÉS</a:t>
+            </a:r>
+          </a:p>
+          <a:p>
             <a:r>
               <a:rPr lang="hu-HU" dirty="0"/>
               <a:t>A bemutatott modell könnyen skálázható, viszont a Q-</a:t>
@@ -2413,7 +2437,7 @@
             </a:br>
             <a:r>
               <a:rPr lang="hu-HU" dirty="0"/>
-              <a:t>Ilyenkor Deep RL-t kell használni, illetve lehet csoportosítani a gyártókat kockázati kategóriákba.</a:t>
+              <a:t>Ilyenkor Mély megerősítéses tanulást kell használni, illetve lehet csoportosítani a gyártókat kockázati kategóriákba.</a:t>
             </a:r>
             <a:br>
               <a:rPr lang="hu-HU" dirty="0"/>
@@ -2534,7 +2558,7 @@
                 <a:ea typeface="+mn-ea"/>
                 <a:cs typeface="+mn-cs"/>
               </a:rPr>
-              <a:t>Egyetlen szervezet sem tudja ezeket mindet azonnal kijavítani. Mindig dönteni kell, hogy melyik sebezhetőséggel foglalkozzanak először.</a:t>
+              <a:t>Egyetlen szervezet sem tudja mindet azonnal kijavítani. Mindig dönteni kell, hogy melyik sebezhetőséggel foglalkozzanak először.</a:t>
             </a:r>
           </a:p>
           <a:p>
@@ -2789,7 +2813,7 @@
                 <a:ea typeface="+mn-ea"/>
                 <a:cs typeface="+mn-cs"/>
               </a:rPr>
-              <a:t>Egy-egy támadás ezekben valós gazdasági károkat okoz, akár több milliárd dolláros veszteséget is. Például a híres </a:t>
+              <a:t>Egy-egy támadás ezekben valós gazdasági károkat okozhat, akár több milliárd dolláros veszteséget is. Például a híres </a:t>
             </a:r>
             <a:r>
               <a:rPr lang="hu-HU" dirty="0" err="1"/>
@@ -3014,7 +3038,7 @@
                 <a:ea typeface="+mn-ea"/>
                 <a:cs typeface="+mn-cs"/>
               </a:rPr>
-              <a:t>Két hadvezér több csapatot kap, és ezeket több csatamező között kell elosztania.</a:t>
+              <a:t>Két hadvezér több csapatot kap, és ezeket több csatamező között kell elosztaniuk.</a:t>
             </a:r>
           </a:p>
           <a:p>
@@ -3088,7 +3112,7 @@
                 <a:ea typeface="+mn-ea"/>
                 <a:cs typeface="+mn-cs"/>
               </a:rPr>
-              <a:t>A kutatásomban ezt a klasszikus elvet alkalmaztam, csak itt a csatamezők valós, napi </a:t>
+              <a:t>A kutatásomban ezt a klasszikus elvet alkalmaztam, csak itt a csatamezők napi </a:t>
             </a:r>
             <a:r>
               <a:rPr lang="hu-HU" sz="1200" kern="1200" dirty="0" err="1">
@@ -3234,7 +3258,7 @@
             </a:r>
             <a:r>
               <a:rPr lang="hu-HU" dirty="0"/>
-              <a:t> keretrendszer, amely minden sérülékenységhez egyedi azonosítót ad, és megadja, hogy mely termékekhez és gyártókhoz tartozik. Erre azért volt szükség, hogy a sérülékenységeket gyártók szerint tudjam csoportosítani, és meg lehessen mondani, egy adott napon mely gyártónál milyen CVE-k jelentek meg. Fontos, hogy a CVE maga még nem ad súlyosságot vagy kockázatot, csak az alap azonosítást biztosítja.</a:t>
+              <a:t> keretrendszer, amely minden sérülékenységhez egyedi azonosítót ad, és megadja, hogy mely gyártóhoz tartozik. Erre azért volt szükség, hogy a sérülékenységeket gyártók szerint tudjam csoportosítani, és meg lehessen mondani, hogy egy adott napon mely gyártónál milyen CVE-k jelentek meg. Fontos, hogy a CVE maga még nem ad súlyosságot vagy kockázatot, csak az azonosítást biztosítja.</a:t>
             </a:r>
             <a:br>
               <a:rPr lang="hu-HU" dirty="0"/>
@@ -3298,7 +3322,7 @@
                 <a:ea typeface="+mn-ea"/>
                 <a:cs typeface="+mn-cs"/>
               </a:rPr>
-              <a:t>Kockázat = EPSS (valószínűség) x CVSS (hatás/súlyosság).</a:t>
+              <a:t>Kockázat = valószínűség (EPSS) x hatás (CVSS)</a:t>
             </a:r>
             <a:br>
               <a:rPr lang="hu-HU" dirty="0"/>
@@ -3736,7 +3760,7 @@
                 <a:ea typeface="+mn-ea"/>
                 <a:cs typeface="+mn-cs"/>
               </a:rPr>
-              <a:t>Ez azt jelenti, hogy a támadó és a védő nem látja ugyanazt a képet a környezetről.</a:t>
+              <a:t>Ez azt jelenti, hogy a támadó és a védő nem ugyanazt a képet látja a környezetről.</a:t>
             </a:r>
           </a:p>
           <a:p>
@@ -3788,7 +3812,7 @@
                 <a:ea typeface="+mn-ea"/>
                 <a:cs typeface="+mn-cs"/>
               </a:rPr>
-              <a:t>R2: itt a támadó előnyben van, több belső információval rendelkezik a sérülékenységekről</a:t>
+              <a:t>R2: a támadó van előnyben, több belső információval rendelkezik a sérülékenységekről</a:t>
             </a:r>
           </a:p>
           <a:p>
@@ -3901,7 +3925,7 @@
           <a:p>
             <a:r>
               <a:rPr lang="hu-HU" dirty="0"/>
-              <a:t>A tanuló ügynökök nem véletlenszerűen osztják el az erőforrásaikat, hanem előre definiált stratégiai minták közül választanak, és a tanulás lényege az, hogy megtanulják, melyik minta milyen helyzetben teljesít jól. </a:t>
+              <a:t>A tanuló ügynökök nem véletlenszerűen osztják el az erőforrásaikat, hanem előre definiált stratégiai minták közül választanak, hogy megtanulják, melyik minta milyen helyzetben teljesít jól. </a:t>
             </a:r>
           </a:p>
           <a:p>
@@ -3913,7 +3937,7 @@
           <a:p>
             <a:r>
               <a:rPr lang="hu-HU" dirty="0"/>
-              <a:t>Az érték-arányos stratégia már a kockázati szintekhez igazodik, azaz a mezők értékének arányában történik az osztás, vagyis az ügynök több figyelmet fordít azokra a területekre, amelyek nagyobb veszélyt vagy nagyobb potenciális hasznot jelentenek. </a:t>
+              <a:t>Az érték-arányos stratégia már a kockázati szintekhez igazodik, azaz a mezők értékének arányában történik az elosztás, vagyis az ügynökök több figyelmet fordítanak azokra a területekre, amelyek nagyobb veszélyt vagy nagyobb potenciális hasznot jelentenek. </a:t>
             </a:r>
           </a:p>
           <a:p>
@@ -3963,13 +3987,13 @@
                 <a:ea typeface="+mn-ea"/>
                 <a:cs typeface="+mn-cs"/>
               </a:rPr>
-              <a:t>-in (Top-1) stratégia ennek a véglete: az ügynök minden erőforrást a legértékesebb mezőre koncentrál, ami nagy kockázatú, de bizonyos helyzetekben rendkívül hatékony lehet.</a:t>
+              <a:t>-in (Top-1) stratégia ennek a véglete: az ügynökük minden erőforrást a legértékesebb mezőre koncentrálnak, ami nagy kockázatú, de bizonyos helyzetekben rendkívül hatékony lehet.</a:t>
             </a:r>
           </a:p>
           <a:p>
             <a:r>
               <a:rPr lang="hu-HU" dirty="0"/>
-              <a:t>Emellett szerepel egy véletlen stratégia is, amely kontrollált bizonytalanságot visz az ügynök viselkedésébe, mert ez segít elkerülni, hogy túl korán „beragadjon” egy rossz mintába.</a:t>
+              <a:t>Emellett szerepel egy véletlen stratégia is, amely kontrollált bizonytalanságot visz az ügynökök viselkedésébe, mert ez segít elkerülni, hogy túl korán „beragadjon” egy rossz mintába.</a:t>
             </a:r>
           </a:p>
           <a:p>
@@ -4028,16 +4052,6 @@
               </a:rPr>
               <a:t> minták teszik lehetővé, hogy a döntések mögött legyen logika, de közben a rendszer folyamatosan tudjon alkalmazkodni.</a:t>
             </a:r>
-          </a:p>
-          <a:p>
-            <a:endParaRPr lang="hu-HU" sz="1200" kern="1200" dirty="0">
-              <a:solidFill>
-                <a:schemeClr val="tx1"/>
-              </a:solidFill>
-              <a:latin typeface="+mn-lt"/>
-              <a:ea typeface="+mn-ea"/>
-              <a:cs typeface="+mn-cs"/>
-            </a:endParaRPr>
           </a:p>
         </p:txBody>
       </p:sp>
@@ -9634,16 +9648,16 @@
           </a:p>
           <a:p>
             <a:r>
+              <a:rPr lang="hu-HU" noProof="0"/>
+              <a:t>Torzított kockázati</a:t>
+            </a:r>
+            <a:r>
+              <a:rPr lang="hu-HU"/>
+              <a:t> </a:t>
+            </a:r>
+            <a:r>
               <a:rPr lang="hu-HU" noProof="0" dirty="0"/>
-              <a:t>Torzított </a:t>
-            </a:r>
-            <a:r>
-              <a:rPr lang="hu-HU" noProof="0" dirty="0" err="1"/>
-              <a:t>risk</a:t>
-            </a:r>
-            <a:r>
-              <a:rPr lang="hu-HU" noProof="0" dirty="0"/>
-              <a:t>-értékek</a:t>
+              <a:t>értékek</a:t>
             </a:r>
           </a:p>
           <a:p>
